--- a/TạHằngVũ_DA23TTD.pptx
+++ b/TạHằngVũ_DA23TTD.pptx
@@ -12160,19 +12160,7 @@
               <a:rPr lang="en-US" sz="2000">
                 <a:latin typeface="+mj-lt"/>
               </a:rPr>
-              <a:t>GVHD : </a:t>
-            </a:r>
-            <a:r>
-              <a:rPr lang="en-US" sz="2000" err="1">
-                <a:latin typeface="+mj-lt"/>
-              </a:rPr>
-              <a:t>Ths</a:t>
-            </a:r>
-            <a:r>
-              <a:rPr lang="en-US" sz="2000">
-                <a:latin typeface="+mj-lt"/>
-              </a:rPr>
-              <a:t> Võ Thành C</a:t>
+              <a:t>GVHD : Ths. Võ Thành C</a:t>
             </a:r>
           </a:p>
         </p:txBody>
@@ -12455,7 +12443,7 @@
           <a:lstStyle/>
           <a:p>
             <a:r>
-              <a:rPr lang="en-US" sz="4500">
+              <a:rPr lang="en-US" sz="4500" b="1">
                 <a:solidFill>
                   <a:srgbClr val="FF0000"/>
                 </a:solidFill>
@@ -13281,13 +13269,13 @@
   <p:clrMapOvr>
     <a:masterClrMapping/>
   </p:clrMapOvr>
-  <mc:AlternateContent xmlns:mc="http://schemas.openxmlformats.org/markup-compatibility/2006">
-    <mc:Choice xmlns:p159="http://schemas.microsoft.com/office/powerpoint/2015/09/main" Requires="p159">
+  <mc:AlternateContent xmlns:mc="http://schemas.openxmlformats.org/markup-compatibility/2006" xmlns:p159="http://schemas.microsoft.com/office/powerpoint/2015/09/main">
+    <mc:Choice Requires="p159">
       <p:transition xmlns:p14="http://schemas.microsoft.com/office/powerpoint/2010/main" spd="slow" p14:dur="2000">
         <p159:morph option="byObject"/>
       </p:transition>
     </mc:Choice>
-    <mc:Fallback>
+    <mc:Fallback xmlns="">
       <p:transition spd="slow">
         <p:fade/>
       </p:transition>
@@ -13787,13 +13775,13 @@
   <p:clrMapOvr>
     <a:masterClrMapping/>
   </p:clrMapOvr>
-  <mc:AlternateContent xmlns:mc="http://schemas.openxmlformats.org/markup-compatibility/2006">
-    <mc:Choice xmlns:p159="http://schemas.microsoft.com/office/powerpoint/2015/09/main" Requires="p159">
+  <mc:AlternateContent xmlns:mc="http://schemas.openxmlformats.org/markup-compatibility/2006" xmlns:p159="http://schemas.microsoft.com/office/powerpoint/2015/09/main">
+    <mc:Choice Requires="p159">
       <p:transition xmlns:p14="http://schemas.microsoft.com/office/powerpoint/2010/main" spd="slow" p14:dur="2000">
         <p159:morph option="byObject"/>
       </p:transition>
     </mc:Choice>
-    <mc:Fallback>
+    <mc:Fallback xmlns="">
       <p:transition spd="slow">
         <p:fade/>
       </p:transition>
@@ -14236,13 +14224,13 @@
   <p:clrMapOvr>
     <a:masterClrMapping/>
   </p:clrMapOvr>
-  <mc:AlternateContent xmlns:mc="http://schemas.openxmlformats.org/markup-compatibility/2006">
-    <mc:Choice xmlns:p159="http://schemas.microsoft.com/office/powerpoint/2015/09/main" Requires="p159">
+  <mc:AlternateContent xmlns:mc="http://schemas.openxmlformats.org/markup-compatibility/2006" xmlns:p159="http://schemas.microsoft.com/office/powerpoint/2015/09/main">
+    <mc:Choice Requires="p159">
       <p:transition xmlns:p14="http://schemas.microsoft.com/office/powerpoint/2010/main" spd="slow" p14:dur="2000">
         <p159:morph option="byObject"/>
       </p:transition>
     </mc:Choice>
-    <mc:Fallback>
+    <mc:Fallback xmlns="">
       <p:transition spd="slow">
         <p:fade/>
       </p:transition>
@@ -14424,13 +14412,13 @@
   <p:clrMapOvr>
     <a:masterClrMapping/>
   </p:clrMapOvr>
-  <mc:AlternateContent xmlns:mc="http://schemas.openxmlformats.org/markup-compatibility/2006">
-    <mc:Choice xmlns:p159="http://schemas.microsoft.com/office/powerpoint/2015/09/main" Requires="p159">
+  <mc:AlternateContent xmlns:mc="http://schemas.openxmlformats.org/markup-compatibility/2006" xmlns:p159="http://schemas.microsoft.com/office/powerpoint/2015/09/main">
+    <mc:Choice Requires="p159">
       <p:transition xmlns:p14="http://schemas.microsoft.com/office/powerpoint/2010/main" spd="slow" p14:dur="2000">
         <p159:morph option="byObject"/>
       </p:transition>
     </mc:Choice>
-    <mc:Fallback>
+    <mc:Fallback xmlns="">
       <p:transition spd="slow">
         <p:fade/>
       </p:transition>
@@ -14842,13 +14830,13 @@
   <p:clrMapOvr>
     <a:masterClrMapping/>
   </p:clrMapOvr>
-  <mc:AlternateContent xmlns:mc="http://schemas.openxmlformats.org/markup-compatibility/2006">
-    <mc:Choice xmlns:p159="http://schemas.microsoft.com/office/powerpoint/2015/09/main" Requires="p159">
+  <mc:AlternateContent xmlns:mc="http://schemas.openxmlformats.org/markup-compatibility/2006" xmlns:p159="http://schemas.microsoft.com/office/powerpoint/2015/09/main">
+    <mc:Choice Requires="p159">
       <p:transition xmlns:p14="http://schemas.microsoft.com/office/powerpoint/2010/main" spd="slow" p14:dur="2000">
         <p159:morph option="byObject"/>
       </p:transition>
     </mc:Choice>
-    <mc:Fallback>
+    <mc:Fallback xmlns="">
       <p:transition spd="slow">
         <p:fade/>
       </p:transition>
@@ -14958,13 +14946,13 @@
   <p:clrMapOvr>
     <a:masterClrMapping/>
   </p:clrMapOvr>
-  <mc:AlternateContent xmlns:mc="http://schemas.openxmlformats.org/markup-compatibility/2006">
-    <mc:Choice xmlns:p159="http://schemas.microsoft.com/office/powerpoint/2015/09/main" Requires="p159">
+  <mc:AlternateContent xmlns:mc="http://schemas.openxmlformats.org/markup-compatibility/2006" xmlns:p159="http://schemas.microsoft.com/office/powerpoint/2015/09/main">
+    <mc:Choice Requires="p159">
       <p:transition xmlns:p14="http://schemas.microsoft.com/office/powerpoint/2010/main" spd="slow" p14:dur="2000">
         <p159:morph option="byObject"/>
       </p:transition>
     </mc:Choice>
-    <mc:Fallback>
+    <mc:Fallback xmlns="">
       <p:transition spd="slow">
         <p:fade/>
       </p:transition>
@@ -15363,13 +15351,13 @@
   <p:clrMapOvr>
     <a:masterClrMapping/>
   </p:clrMapOvr>
-  <mc:AlternateContent xmlns:mc="http://schemas.openxmlformats.org/markup-compatibility/2006">
-    <mc:Choice xmlns:p159="http://schemas.microsoft.com/office/powerpoint/2015/09/main" Requires="p159">
+  <mc:AlternateContent xmlns:mc="http://schemas.openxmlformats.org/markup-compatibility/2006" xmlns:p159="http://schemas.microsoft.com/office/powerpoint/2015/09/main">
+    <mc:Choice Requires="p159">
       <p:transition xmlns:p14="http://schemas.microsoft.com/office/powerpoint/2010/main" spd="slow" p14:dur="2000">
         <p159:morph option="byObject"/>
       </p:transition>
     </mc:Choice>
-    <mc:Fallback>
+    <mc:Fallback xmlns="">
       <p:transition spd="slow">
         <p:fade/>
       </p:transition>
@@ -15942,13 +15930,13 @@
   <p:clrMapOvr>
     <a:masterClrMapping/>
   </p:clrMapOvr>
-  <mc:AlternateContent xmlns:mc="http://schemas.openxmlformats.org/markup-compatibility/2006">
-    <mc:Choice xmlns:p159="http://schemas.microsoft.com/office/powerpoint/2015/09/main" Requires="p159">
+  <mc:AlternateContent xmlns:mc="http://schemas.openxmlformats.org/markup-compatibility/2006" xmlns:p159="http://schemas.microsoft.com/office/powerpoint/2015/09/main">
+    <mc:Choice Requires="p159">
       <p:transition xmlns:p14="http://schemas.microsoft.com/office/powerpoint/2010/main" spd="slow" p14:dur="2000">
         <p159:morph option="byObject"/>
       </p:transition>
     </mc:Choice>
-    <mc:Fallback>
+    <mc:Fallback xmlns="">
       <p:transition spd="slow">
         <p:fade/>
       </p:transition>
@@ -16651,13 +16639,13 @@
   <p:clrMapOvr>
     <a:masterClrMapping/>
   </p:clrMapOvr>
-  <mc:AlternateContent xmlns:mc="http://schemas.openxmlformats.org/markup-compatibility/2006">
-    <mc:Choice xmlns:p159="http://schemas.microsoft.com/office/powerpoint/2015/09/main" Requires="p159">
+  <mc:AlternateContent xmlns:mc="http://schemas.openxmlformats.org/markup-compatibility/2006" xmlns:p159="http://schemas.microsoft.com/office/powerpoint/2015/09/main">
+    <mc:Choice Requires="p159">
       <p:transition xmlns:p14="http://schemas.microsoft.com/office/powerpoint/2010/main" spd="slow" p14:dur="2000">
         <p159:morph option="byObject"/>
       </p:transition>
     </mc:Choice>
-    <mc:Fallback>
+    <mc:Fallback xmlns="">
       <p:transition spd="slow">
         <p:fade/>
       </p:transition>
@@ -17362,13 +17350,13 @@
   <p:clrMapOvr>
     <a:masterClrMapping/>
   </p:clrMapOvr>
-  <mc:AlternateContent xmlns:mc="http://schemas.openxmlformats.org/markup-compatibility/2006">
-    <mc:Choice xmlns:p159="http://schemas.microsoft.com/office/powerpoint/2015/09/main" Requires="p159">
+  <mc:AlternateContent xmlns:mc="http://schemas.openxmlformats.org/markup-compatibility/2006" xmlns:p159="http://schemas.microsoft.com/office/powerpoint/2015/09/main">
+    <mc:Choice Requires="p159">
       <p:transition xmlns:p14="http://schemas.microsoft.com/office/powerpoint/2010/main" spd="slow" p14:dur="2000">
         <p159:morph option="byObject"/>
       </p:transition>
     </mc:Choice>
-    <mc:Fallback>
+    <mc:Fallback xmlns="">
       <p:transition spd="slow">
         <p:fade/>
       </p:transition>
@@ -17424,7 +17412,7 @@
           <a:p>
             <a:pPr algn="ctr"/>
             <a:r>
-              <a:rPr lang="en-US" sz="4200">
+              <a:rPr lang="en-US" sz="4200" b="1">
                 <a:solidFill>
                   <a:srgbClr val="FF0000"/>
                 </a:solidFill>
@@ -18141,13 +18129,13 @@
   <p:clrMapOvr>
     <a:masterClrMapping/>
   </p:clrMapOvr>
-  <mc:AlternateContent xmlns:mc="http://schemas.openxmlformats.org/markup-compatibility/2006">
-    <mc:Choice xmlns:p159="http://schemas.microsoft.com/office/powerpoint/2015/09/main" Requires="p159">
+  <mc:AlternateContent xmlns:mc="http://schemas.openxmlformats.org/markup-compatibility/2006" xmlns:p159="http://schemas.microsoft.com/office/powerpoint/2015/09/main">
+    <mc:Choice Requires="p159">
       <p:transition xmlns:p14="http://schemas.microsoft.com/office/powerpoint/2010/main" spd="slow" p14:dur="2000">
         <p159:morph option="byObject"/>
       </p:transition>
     </mc:Choice>
-    <mc:Fallback>
+    <mc:Fallback xmlns="">
       <p:transition spd="slow">
         <p:fade/>
       </p:transition>
@@ -18669,13 +18657,13 @@
   <p:clrMapOvr>
     <a:masterClrMapping/>
   </p:clrMapOvr>
-  <mc:AlternateContent xmlns:mc="http://schemas.openxmlformats.org/markup-compatibility/2006">
-    <mc:Choice xmlns:p159="http://schemas.microsoft.com/office/powerpoint/2015/09/main" Requires="p159">
+  <mc:AlternateContent xmlns:mc="http://schemas.openxmlformats.org/markup-compatibility/2006" xmlns:p159="http://schemas.microsoft.com/office/powerpoint/2015/09/main">
+    <mc:Choice Requires="p159">
       <p:transition xmlns:p14="http://schemas.microsoft.com/office/powerpoint/2010/main" spd="slow" p14:dur="2000">
         <p159:morph option="byObject"/>
       </p:transition>
     </mc:Choice>
-    <mc:Fallback>
+    <mc:Fallback xmlns="">
       <p:transition spd="slow">
         <p:fade/>
       </p:transition>
@@ -20341,13 +20329,13 @@
   <p:clrMapOvr>
     <a:masterClrMapping/>
   </p:clrMapOvr>
-  <mc:AlternateContent xmlns:mc="http://schemas.openxmlformats.org/markup-compatibility/2006">
-    <mc:Choice xmlns:p159="http://schemas.microsoft.com/office/powerpoint/2015/09/main" Requires="p159">
+  <mc:AlternateContent xmlns:mc="http://schemas.openxmlformats.org/markup-compatibility/2006" xmlns:p159="http://schemas.microsoft.com/office/powerpoint/2015/09/main">
+    <mc:Choice Requires="p159">
       <p:transition xmlns:p14="http://schemas.microsoft.com/office/powerpoint/2010/main" spd="slow" p14:dur="2000">
         <p159:morph option="byObject"/>
       </p:transition>
     </mc:Choice>
-    <mc:Fallback>
+    <mc:Fallback xmlns="">
       <p:transition spd="slow">
         <p:fade/>
       </p:transition>
@@ -21026,13 +21014,13 @@
   <p:clrMapOvr>
     <a:masterClrMapping/>
   </p:clrMapOvr>
-  <mc:AlternateContent xmlns:mc="http://schemas.openxmlformats.org/markup-compatibility/2006">
-    <mc:Choice xmlns:p159="http://schemas.microsoft.com/office/powerpoint/2015/09/main" Requires="p159">
+  <mc:AlternateContent xmlns:mc="http://schemas.openxmlformats.org/markup-compatibility/2006" xmlns:p159="http://schemas.microsoft.com/office/powerpoint/2015/09/main">
+    <mc:Choice Requires="p159">
       <p:transition xmlns:p14="http://schemas.microsoft.com/office/powerpoint/2010/main" spd="slow" p14:dur="2000">
         <p159:morph option="byObject"/>
       </p:transition>
     </mc:Choice>
-    <mc:Fallback>
+    <mc:Fallback xmlns="">
       <p:transition spd="slow">
         <p:fade/>
       </p:transition>
@@ -21491,13 +21479,13 @@
   <p:clrMapOvr>
     <a:masterClrMapping/>
   </p:clrMapOvr>
-  <mc:AlternateContent xmlns:mc="http://schemas.openxmlformats.org/markup-compatibility/2006">
-    <mc:Choice xmlns:p159="http://schemas.microsoft.com/office/powerpoint/2015/09/main" Requires="p159">
+  <mc:AlternateContent xmlns:mc="http://schemas.openxmlformats.org/markup-compatibility/2006" xmlns:p159="http://schemas.microsoft.com/office/powerpoint/2015/09/main">
+    <mc:Choice Requires="p159">
       <p:transition xmlns:p14="http://schemas.microsoft.com/office/powerpoint/2010/main" spd="slow" p14:dur="2000">
         <p159:morph option="byObject"/>
       </p:transition>
     </mc:Choice>
-    <mc:Fallback>
+    <mc:Fallback xmlns="">
       <p:transition spd="slow">
         <p:fade/>
       </p:transition>
@@ -22840,13 +22828,13 @@
   <p:clrMapOvr>
     <a:masterClrMapping/>
   </p:clrMapOvr>
-  <mc:AlternateContent xmlns:mc="http://schemas.openxmlformats.org/markup-compatibility/2006">
-    <mc:Choice xmlns:p159="http://schemas.microsoft.com/office/powerpoint/2015/09/main" Requires="p159">
+  <mc:AlternateContent xmlns:mc="http://schemas.openxmlformats.org/markup-compatibility/2006" xmlns:p159="http://schemas.microsoft.com/office/powerpoint/2015/09/main">
+    <mc:Choice Requires="p159">
       <p:transition xmlns:p14="http://schemas.microsoft.com/office/powerpoint/2010/main" spd="slow" p14:dur="2000">
         <p159:morph option="byObject"/>
       </p:transition>
     </mc:Choice>
-    <mc:Fallback>
+    <mc:Fallback xmlns="">
       <p:transition spd="slow">
         <p:fade/>
       </p:transition>
@@ -23473,13 +23461,13 @@
   <p:clrMapOvr>
     <a:masterClrMapping/>
   </p:clrMapOvr>
-  <mc:AlternateContent xmlns:mc="http://schemas.openxmlformats.org/markup-compatibility/2006">
-    <mc:Choice xmlns:p159="http://schemas.microsoft.com/office/powerpoint/2015/09/main" Requires="p159">
+  <mc:AlternateContent xmlns:mc="http://schemas.openxmlformats.org/markup-compatibility/2006" xmlns:p159="http://schemas.microsoft.com/office/powerpoint/2015/09/main">
+    <mc:Choice Requires="p159">
       <p:transition xmlns:p14="http://schemas.microsoft.com/office/powerpoint/2010/main" spd="slow" p14:dur="2000">
         <p159:morph option="byObject"/>
       </p:transition>
     </mc:Choice>
-    <mc:Fallback>
+    <mc:Fallback xmlns="">
       <p:transition spd="slow">
         <p:fade/>
       </p:transition>

--- a/TạHằngVũ_DA23TTD.pptx
+++ b/TạHằngVũ_DA23TTD.pptx
@@ -12141,7 +12141,7 @@
         </p:nvSpPr>
         <p:spPr>
           <a:xfrm>
-            <a:off x="6100918" y="4587223"/>
+            <a:off x="6084007" y="5082234"/>
             <a:ext cx="3136491" cy="400110"/>
           </a:xfrm>
           <a:prstGeom prst="rect">
@@ -12385,19 +12385,7 @@
               <a:rPr lang="en-US" sz="2000" i="1">
                 <a:latin typeface="+mj-lt"/>
               </a:rPr>
-              <a:t> 00 </a:t>
-            </a:r>
-            <a:r>
-              <a:rPr lang="en-US" sz="2000" i="1" err="1">
-                <a:latin typeface="+mj-lt"/>
-              </a:rPr>
-              <a:t>Tháng</a:t>
-            </a:r>
-            <a:r>
-              <a:rPr lang="en-US" sz="2000" i="1">
-                <a:latin typeface="+mj-lt"/>
-              </a:rPr>
-              <a:t> 1  </a:t>
+              <a:t> 6Tháng 1  </a:t>
             </a:r>
             <a:r>
               <a:rPr lang="en-US" sz="2000" i="1" err="1">
@@ -12599,6 +12587,44 @@
           <a:p>
             <a:pPr algn="ctr"/>
             <a:endParaRPr lang="en-US"/>
+          </a:p>
+        </p:txBody>
+      </p:sp>
+      <p:sp>
+        <p:nvSpPr>
+          <p:cNvPr id="3" name="TextBox 2">
+            <a:extLst>
+              <a:ext uri="{FF2B5EF4-FFF2-40B4-BE49-F238E27FC236}">
+                <a16:creationId xmlns:a16="http://schemas.microsoft.com/office/drawing/2014/main" id="{893D9A89-3414-0EA2-ED30-B82B332726DC}"/>
+              </a:ext>
+            </a:extLst>
+          </p:cNvPr>
+          <p:cNvSpPr txBox="1"/>
+          <p:nvPr/>
+        </p:nvSpPr>
+        <p:spPr>
+          <a:xfrm>
+            <a:off x="6093840" y="4653670"/>
+            <a:ext cx="3433618" cy="400110"/>
+          </a:xfrm>
+          <a:prstGeom prst="rect">
+            <a:avLst/>
+          </a:prstGeom>
+          <a:noFill/>
+        </p:spPr>
+        <p:txBody>
+          <a:bodyPr wrap="square">
+            <a:spAutoFit/>
+          </a:bodyPr>
+          <a:lstStyle/>
+          <a:p>
+            <a:pPr algn="just"/>
+            <a:r>
+              <a:rPr lang="en-US" sz="2000">
+                <a:latin typeface="+mj-lt"/>
+              </a:rPr>
+              <a:t>LỚP : DA23TTD</a:t>
+            </a:r>
           </a:p>
         </p:txBody>
       </p:sp>
